--- a/ppt/day-7-java_28_7_2025.pptx
+++ b/ppt/day-7-java_28_7_2025.pptx
@@ -5,7 +5,7 @@
     <p:sldMasterId id="2147483648" r:id="rId1"/>
   </p:sldMasterIdLst>
   <p:notesMasterIdLst>
-    <p:notesMasterId r:id="rId12"/>
+    <p:notesMasterId r:id="rId13"/>
   </p:notesMasterIdLst>
   <p:sldIdLst>
     <p:sldId id="300" r:id="rId2"/>
@@ -15,9 +15,10 @@
     <p:sldId id="303" r:id="rId6"/>
     <p:sldId id="304" r:id="rId7"/>
     <p:sldId id="306" r:id="rId8"/>
-    <p:sldId id="307" r:id="rId9"/>
-    <p:sldId id="308" r:id="rId10"/>
-    <p:sldId id="299" r:id="rId11"/>
+    <p:sldId id="309" r:id="rId9"/>
+    <p:sldId id="307" r:id="rId10"/>
+    <p:sldId id="308" r:id="rId11"/>
+    <p:sldId id="299" r:id="rId12"/>
   </p:sldIdLst>
   <p:sldSz cx="12192000" cy="6858000"/>
   <p:notesSz cx="6858000" cy="9144000"/>
@@ -4253,6 +4254,112 @@
           <p:cNvPr id="2" name="TextBox 1">
             <a:extLst>
               <a:ext uri="{FF2B5EF4-FFF2-40B4-BE49-F238E27FC236}">
+                <a16:creationId xmlns:a16="http://schemas.microsoft.com/office/drawing/2014/main" id="{51660152-0241-5BDA-0CD0-20DE73AC10E6}"/>
+              </a:ext>
+            </a:extLst>
+          </p:cNvPr>
+          <p:cNvSpPr txBox="1"/>
+          <p:nvPr/>
+        </p:nvSpPr>
+        <p:spPr>
+          <a:xfrm>
+            <a:off x="508000" y="169333"/>
+            <a:ext cx="11150600" cy="1477328"/>
+          </a:xfrm>
+          <a:prstGeom prst="rect">
+            <a:avLst/>
+          </a:prstGeom>
+          <a:noFill/>
+        </p:spPr>
+        <p:txBody>
+          <a:bodyPr wrap="square" rtlCol="0">
+            <a:spAutoFit/>
+          </a:bodyPr>
+          <a:lstStyle/>
+          <a:p>
+            <a:pPr marL="342900" indent="-342900">
+              <a:buAutoNum type="arabicPeriod"/>
+            </a:pPr>
+            <a:r>
+              <a:rPr lang="en-IN" dirty="0"/>
+              <a:t>Create a dynamic web project</a:t>
+            </a:r>
+          </a:p>
+          <a:p>
+            <a:pPr marL="342900" indent="-342900">
+              <a:buAutoNum type="arabicPeriod"/>
+            </a:pPr>
+            <a:endParaRPr lang="en-IN" dirty="0"/>
+          </a:p>
+          <a:p>
+            <a:pPr marL="342900" indent="-342900">
+              <a:buAutoNum type="arabicPeriod"/>
+            </a:pPr>
+            <a:r>
+              <a:rPr lang="en-IN" dirty="0"/>
+              <a:t>Configure-&gt; Convert to Maven project</a:t>
+            </a:r>
+          </a:p>
+          <a:p>
+            <a:pPr marL="342900" indent="-342900">
+              <a:buAutoNum type="arabicPeriod"/>
+            </a:pPr>
+            <a:endParaRPr lang="en-IN" dirty="0"/>
+          </a:p>
+          <a:p>
+            <a:pPr marL="342900" indent="-342900">
+              <a:buAutoNum type="arabicPeriod"/>
+            </a:pPr>
+            <a:r>
+              <a:rPr lang="en-IN" dirty="0"/>
+              <a:t>3. Update the pom file with Jakarta servlet </a:t>
+            </a:r>
+            <a:r>
+              <a:rPr lang="en-IN" dirty="0" err="1"/>
+              <a:t>api</a:t>
+            </a:r>
+            <a:r>
+              <a:rPr lang="en-IN" dirty="0"/>
+              <a:t> dependency</a:t>
+            </a:r>
+          </a:p>
+        </p:txBody>
+      </p:sp>
+    </p:spTree>
+    <p:extLst>
+      <p:ext uri="{BB962C8B-B14F-4D97-AF65-F5344CB8AC3E}">
+        <p14:creationId xmlns:p14="http://schemas.microsoft.com/office/powerpoint/2010/main" val="260457441"/>
+      </p:ext>
+    </p:extLst>
+  </p:cSld>
+  <p:clrMapOvr>
+    <a:masterClrMapping/>
+  </p:clrMapOvr>
+</p:sld>
+</file>
+
+<file path=ppt/slides/slide11.xml><?xml version="1.0" encoding="utf-8"?>
+<p:sld xmlns:a="http://schemas.openxmlformats.org/drawingml/2006/main" xmlns:r="http://schemas.openxmlformats.org/officeDocument/2006/relationships" xmlns:p="http://schemas.openxmlformats.org/presentationml/2006/main">
+  <p:cSld>
+    <p:spTree>
+      <p:nvGrpSpPr>
+        <p:cNvPr id="1" name=""/>
+        <p:cNvGrpSpPr/>
+        <p:nvPr/>
+      </p:nvGrpSpPr>
+      <p:grpSpPr>
+        <a:xfrm>
+          <a:off x="0" y="0"/>
+          <a:ext cx="0" cy="0"/>
+          <a:chOff x="0" y="0"/>
+          <a:chExt cx="0" cy="0"/>
+        </a:xfrm>
+      </p:grpSpPr>
+      <p:sp>
+        <p:nvSpPr>
+          <p:cNvPr id="2" name="TextBox 1">
+            <a:extLst>
+              <a:ext uri="{FF2B5EF4-FFF2-40B4-BE49-F238E27FC236}">
                 <a16:creationId xmlns:a16="http://schemas.microsoft.com/office/drawing/2014/main" id="{7AAEFB84-7091-52DF-BED9-084229C51D4F}"/>
               </a:ext>
             </a:extLst>
@@ -5029,13 +5136,8 @@
             </a:r>
             <a:r>
               <a:rPr lang="en-IN" dirty="0"/>
-              <a:t> – verify the </a:t>
-            </a:r>
-            <a:r>
-              <a:rPr lang="en-IN"/>
-              <a:t>console output.</a:t>
-            </a:r>
-            <a:endParaRPr lang="en-IN" dirty="0"/>
+              <a:t> – verify the console output.</a:t>
+            </a:r>
           </a:p>
         </p:txBody>
       </p:sp>
@@ -6309,6 +6411,603 @@
   <p:cSld>
     <p:spTree>
       <p:nvGrpSpPr>
+        <p:cNvPr id="1" name=""/>
+        <p:cNvGrpSpPr/>
+        <p:nvPr/>
+      </p:nvGrpSpPr>
+      <p:grpSpPr>
+        <a:xfrm>
+          <a:off x="0" y="0"/>
+          <a:ext cx="0" cy="0"/>
+          <a:chOff x="0" y="0"/>
+          <a:chExt cx="0" cy="0"/>
+        </a:xfrm>
+      </p:grpSpPr>
+      <p:sp>
+        <p:nvSpPr>
+          <p:cNvPr id="2" name="Rectangle 1">
+            <a:extLst>
+              <a:ext uri="{FF2B5EF4-FFF2-40B4-BE49-F238E27FC236}">
+                <a16:creationId xmlns:a16="http://schemas.microsoft.com/office/drawing/2014/main" id="{D1F442AD-7342-9913-A07A-AA577D58AF21}"/>
+              </a:ext>
+            </a:extLst>
+          </p:cNvPr>
+          <p:cNvSpPr/>
+          <p:nvPr/>
+        </p:nvSpPr>
+        <p:spPr>
+          <a:xfrm>
+            <a:off x="7789333" y="1346200"/>
+            <a:ext cx="2074334" cy="1413933"/>
+          </a:xfrm>
+          <a:prstGeom prst="rect">
+            <a:avLst/>
+          </a:prstGeom>
+        </p:spPr>
+        <p:style>
+          <a:lnRef idx="2">
+            <a:schemeClr val="accent1">
+              <a:shade val="15000"/>
+            </a:schemeClr>
+          </a:lnRef>
+          <a:fillRef idx="1">
+            <a:schemeClr val="accent1"/>
+          </a:fillRef>
+          <a:effectRef idx="0">
+            <a:schemeClr val="accent1"/>
+          </a:effectRef>
+          <a:fontRef idx="minor">
+            <a:schemeClr val="lt1"/>
+          </a:fontRef>
+        </p:style>
+        <p:txBody>
+          <a:bodyPr rtlCol="0" anchor="ctr"/>
+          <a:lstStyle/>
+          <a:p>
+            <a:pPr algn="ctr"/>
+            <a:endParaRPr lang="en-IN"/>
+          </a:p>
+        </p:txBody>
+      </p:sp>
+      <p:sp>
+        <p:nvSpPr>
+          <p:cNvPr id="3" name="Rectangle 2">
+            <a:extLst>
+              <a:ext uri="{FF2B5EF4-FFF2-40B4-BE49-F238E27FC236}">
+                <a16:creationId xmlns:a16="http://schemas.microsoft.com/office/drawing/2014/main" id="{27B61781-7F61-5484-873F-1087D7977D2A}"/>
+              </a:ext>
+            </a:extLst>
+          </p:cNvPr>
+          <p:cNvSpPr/>
+          <p:nvPr/>
+        </p:nvSpPr>
+        <p:spPr>
+          <a:xfrm>
+            <a:off x="3073400" y="1557867"/>
+            <a:ext cx="931333" cy="592666"/>
+          </a:xfrm>
+          <a:prstGeom prst="rect">
+            <a:avLst/>
+          </a:prstGeom>
+          <a:noFill/>
+        </p:spPr>
+        <p:style>
+          <a:lnRef idx="2">
+            <a:schemeClr val="accent1">
+              <a:shade val="15000"/>
+            </a:schemeClr>
+          </a:lnRef>
+          <a:fillRef idx="1">
+            <a:schemeClr val="accent1"/>
+          </a:fillRef>
+          <a:effectRef idx="0">
+            <a:schemeClr val="accent1"/>
+          </a:effectRef>
+          <a:fontRef idx="minor">
+            <a:schemeClr val="lt1"/>
+          </a:fontRef>
+        </p:style>
+        <p:txBody>
+          <a:bodyPr rtlCol="0" anchor="ctr"/>
+          <a:lstStyle/>
+          <a:p>
+            <a:pPr algn="ctr"/>
+            <a:endParaRPr lang="en-IN"/>
+          </a:p>
+        </p:txBody>
+      </p:sp>
+      <p:sp>
+        <p:nvSpPr>
+          <p:cNvPr id="4" name="Rectangle 3">
+            <a:extLst>
+              <a:ext uri="{FF2B5EF4-FFF2-40B4-BE49-F238E27FC236}">
+                <a16:creationId xmlns:a16="http://schemas.microsoft.com/office/drawing/2014/main" id="{9C5DDE72-B61B-9DF1-B63E-45FE29D4D7D4}"/>
+              </a:ext>
+            </a:extLst>
+          </p:cNvPr>
+          <p:cNvSpPr/>
+          <p:nvPr/>
+        </p:nvSpPr>
+        <p:spPr>
+          <a:xfrm>
+            <a:off x="4710431" y="1557867"/>
+            <a:ext cx="869102" cy="592666"/>
+          </a:xfrm>
+          <a:prstGeom prst="rect">
+            <a:avLst/>
+          </a:prstGeom>
+        </p:spPr>
+        <p:style>
+          <a:lnRef idx="2">
+            <a:schemeClr val="accent1">
+              <a:shade val="15000"/>
+            </a:schemeClr>
+          </a:lnRef>
+          <a:fillRef idx="1">
+            <a:schemeClr val="accent1"/>
+          </a:fillRef>
+          <a:effectRef idx="0">
+            <a:schemeClr val="accent1"/>
+          </a:effectRef>
+          <a:fontRef idx="minor">
+            <a:schemeClr val="lt1"/>
+          </a:fontRef>
+        </p:style>
+        <p:txBody>
+          <a:bodyPr rtlCol="0" anchor="ctr"/>
+          <a:lstStyle/>
+          <a:p>
+            <a:pPr algn="ctr"/>
+            <a:endParaRPr lang="en-IN"/>
+          </a:p>
+        </p:txBody>
+      </p:sp>
+      <p:cxnSp>
+        <p:nvCxnSpPr>
+          <p:cNvPr id="6" name="Straight Arrow Connector 5">
+            <a:extLst>
+              <a:ext uri="{FF2B5EF4-FFF2-40B4-BE49-F238E27FC236}">
+                <a16:creationId xmlns:a16="http://schemas.microsoft.com/office/drawing/2014/main" id="{17AA667F-E3CB-5758-221F-10F9EE054A94}"/>
+              </a:ext>
+            </a:extLst>
+          </p:cNvPr>
+          <p:cNvCxnSpPr>
+            <a:endCxn id="3" idx="1"/>
+          </p:cNvCxnSpPr>
+          <p:nvPr/>
+        </p:nvCxnSpPr>
+        <p:spPr>
+          <a:xfrm>
+            <a:off x="1828800" y="1854200"/>
+            <a:ext cx="1244600" cy="0"/>
+          </a:xfrm>
+          <a:prstGeom prst="straightConnector1">
+            <a:avLst/>
+          </a:prstGeom>
+          <a:ln>
+            <a:tailEnd type="triangle"/>
+          </a:ln>
+        </p:spPr>
+        <p:style>
+          <a:lnRef idx="1">
+            <a:schemeClr val="accent1"/>
+          </a:lnRef>
+          <a:fillRef idx="0">
+            <a:schemeClr val="accent1"/>
+          </a:fillRef>
+          <a:effectRef idx="0">
+            <a:schemeClr val="accent1"/>
+          </a:effectRef>
+          <a:fontRef idx="minor">
+            <a:schemeClr val="tx1"/>
+          </a:fontRef>
+        </p:style>
+      </p:cxnSp>
+      <p:cxnSp>
+        <p:nvCxnSpPr>
+          <p:cNvPr id="7" name="Straight Arrow Connector 6">
+            <a:extLst>
+              <a:ext uri="{FF2B5EF4-FFF2-40B4-BE49-F238E27FC236}">
+                <a16:creationId xmlns:a16="http://schemas.microsoft.com/office/drawing/2014/main" id="{BE2141FE-F3B0-A8A3-4777-0DACD05021F7}"/>
+              </a:ext>
+            </a:extLst>
+          </p:cNvPr>
+          <p:cNvCxnSpPr>
+            <a:cxnSpLocks/>
+            <a:stCxn id="3" idx="3"/>
+          </p:cNvCxnSpPr>
+          <p:nvPr/>
+        </p:nvCxnSpPr>
+        <p:spPr>
+          <a:xfrm flipV="1">
+            <a:off x="4004733" y="1845733"/>
+            <a:ext cx="705698" cy="8467"/>
+          </a:xfrm>
+          <a:prstGeom prst="straightConnector1">
+            <a:avLst/>
+          </a:prstGeom>
+          <a:ln>
+            <a:tailEnd type="triangle"/>
+          </a:ln>
+        </p:spPr>
+        <p:style>
+          <a:lnRef idx="1">
+            <a:schemeClr val="accent1"/>
+          </a:lnRef>
+          <a:fillRef idx="0">
+            <a:schemeClr val="accent1"/>
+          </a:fillRef>
+          <a:effectRef idx="0">
+            <a:schemeClr val="accent1"/>
+          </a:effectRef>
+          <a:fontRef idx="minor">
+            <a:schemeClr val="tx1"/>
+          </a:fontRef>
+        </p:style>
+      </p:cxnSp>
+      <p:cxnSp>
+        <p:nvCxnSpPr>
+          <p:cNvPr id="8" name="Straight Arrow Connector 7">
+            <a:extLst>
+              <a:ext uri="{FF2B5EF4-FFF2-40B4-BE49-F238E27FC236}">
+                <a16:creationId xmlns:a16="http://schemas.microsoft.com/office/drawing/2014/main" id="{8933E3BD-2E62-D6D9-A22B-FF6A7F0F1DA1}"/>
+              </a:ext>
+            </a:extLst>
+          </p:cNvPr>
+          <p:cNvCxnSpPr>
+            <a:cxnSpLocks/>
+          </p:cNvCxnSpPr>
+          <p:nvPr/>
+        </p:nvCxnSpPr>
+        <p:spPr>
+          <a:xfrm>
+            <a:off x="5113866" y="1845733"/>
+            <a:ext cx="2675467" cy="0"/>
+          </a:xfrm>
+          <a:prstGeom prst="straightConnector1">
+            <a:avLst/>
+          </a:prstGeom>
+          <a:ln>
+            <a:tailEnd type="triangle"/>
+          </a:ln>
+        </p:spPr>
+        <p:style>
+          <a:lnRef idx="1">
+            <a:schemeClr val="accent1"/>
+          </a:lnRef>
+          <a:fillRef idx="0">
+            <a:schemeClr val="accent1"/>
+          </a:fillRef>
+          <a:effectRef idx="0">
+            <a:schemeClr val="accent1"/>
+          </a:effectRef>
+          <a:fontRef idx="minor">
+            <a:schemeClr val="tx1"/>
+          </a:fontRef>
+        </p:style>
+      </p:cxnSp>
+      <p:sp>
+        <p:nvSpPr>
+          <p:cNvPr id="11" name="TextBox 10">
+            <a:extLst>
+              <a:ext uri="{FF2B5EF4-FFF2-40B4-BE49-F238E27FC236}">
+                <a16:creationId xmlns:a16="http://schemas.microsoft.com/office/drawing/2014/main" id="{AF7D5D80-4DF5-B77F-5671-9C0B38AC9E5B}"/>
+              </a:ext>
+            </a:extLst>
+          </p:cNvPr>
+          <p:cNvSpPr txBox="1"/>
+          <p:nvPr/>
+        </p:nvSpPr>
+        <p:spPr>
+          <a:xfrm>
+            <a:off x="3221566" y="1620334"/>
+            <a:ext cx="635000" cy="369332"/>
+          </a:xfrm>
+          <a:prstGeom prst="rect">
+            <a:avLst/>
+          </a:prstGeom>
+          <a:noFill/>
+        </p:spPr>
+        <p:txBody>
+          <a:bodyPr wrap="square" rtlCol="0">
+            <a:spAutoFit/>
+          </a:bodyPr>
+          <a:lstStyle/>
+          <a:p>
+            <a:r>
+              <a:rPr lang="en-IN" dirty="0"/>
+              <a:t>f1</a:t>
+            </a:r>
+          </a:p>
+        </p:txBody>
+      </p:sp>
+      <p:sp>
+        <p:nvSpPr>
+          <p:cNvPr id="12" name="TextBox 11">
+            <a:extLst>
+              <a:ext uri="{FF2B5EF4-FFF2-40B4-BE49-F238E27FC236}">
+                <a16:creationId xmlns:a16="http://schemas.microsoft.com/office/drawing/2014/main" id="{5089AC04-6B65-A0CC-1F98-11FAA1D3B2A5}"/>
+              </a:ext>
+            </a:extLst>
+          </p:cNvPr>
+          <p:cNvSpPr txBox="1"/>
+          <p:nvPr/>
+        </p:nvSpPr>
+        <p:spPr>
+          <a:xfrm>
+            <a:off x="4862831" y="1669534"/>
+            <a:ext cx="635000" cy="369332"/>
+          </a:xfrm>
+          <a:prstGeom prst="rect">
+            <a:avLst/>
+          </a:prstGeom>
+          <a:noFill/>
+        </p:spPr>
+        <p:txBody>
+          <a:bodyPr wrap="square" rtlCol="0">
+            <a:spAutoFit/>
+          </a:bodyPr>
+          <a:lstStyle/>
+          <a:p>
+            <a:r>
+              <a:rPr lang="en-IN" dirty="0"/>
+              <a:t>f2</a:t>
+            </a:r>
+          </a:p>
+        </p:txBody>
+      </p:sp>
+      <p:sp>
+        <p:nvSpPr>
+          <p:cNvPr id="13" name="TextBox 12">
+            <a:extLst>
+              <a:ext uri="{FF2B5EF4-FFF2-40B4-BE49-F238E27FC236}">
+                <a16:creationId xmlns:a16="http://schemas.microsoft.com/office/drawing/2014/main" id="{D34B1E14-E565-1377-0007-3DC8BF99ECA9}"/>
+              </a:ext>
+            </a:extLst>
+          </p:cNvPr>
+          <p:cNvSpPr txBox="1"/>
+          <p:nvPr/>
+        </p:nvSpPr>
+        <p:spPr>
+          <a:xfrm>
+            <a:off x="1634067" y="1032933"/>
+            <a:ext cx="3615266" cy="369332"/>
+          </a:xfrm>
+          <a:prstGeom prst="rect">
+            <a:avLst/>
+          </a:prstGeom>
+          <a:noFill/>
+        </p:spPr>
+        <p:txBody>
+          <a:bodyPr wrap="square" rtlCol="0">
+            <a:spAutoFit/>
+          </a:bodyPr>
+          <a:lstStyle/>
+          <a:p>
+            <a:r>
+              <a:rPr lang="en-IN" dirty="0"/>
+              <a:t>http request</a:t>
+            </a:r>
+          </a:p>
+        </p:txBody>
+      </p:sp>
+      <p:cxnSp>
+        <p:nvCxnSpPr>
+          <p:cNvPr id="14" name="Straight Arrow Connector 13">
+            <a:extLst>
+              <a:ext uri="{FF2B5EF4-FFF2-40B4-BE49-F238E27FC236}">
+                <a16:creationId xmlns:a16="http://schemas.microsoft.com/office/drawing/2014/main" id="{F67F0335-C531-973F-51D8-B04D8E9394CD}"/>
+              </a:ext>
+            </a:extLst>
+          </p:cNvPr>
+          <p:cNvCxnSpPr>
+            <a:cxnSpLocks/>
+          </p:cNvCxnSpPr>
+          <p:nvPr/>
+        </p:nvCxnSpPr>
+        <p:spPr>
+          <a:xfrm flipH="1">
+            <a:off x="6028266" y="2624666"/>
+            <a:ext cx="1761067" cy="0"/>
+          </a:xfrm>
+          <a:prstGeom prst="straightConnector1">
+            <a:avLst/>
+          </a:prstGeom>
+          <a:ln>
+            <a:tailEnd type="triangle"/>
+          </a:ln>
+        </p:spPr>
+        <p:style>
+          <a:lnRef idx="1">
+            <a:schemeClr val="accent1"/>
+          </a:lnRef>
+          <a:fillRef idx="0">
+            <a:schemeClr val="accent1"/>
+          </a:fillRef>
+          <a:effectRef idx="0">
+            <a:schemeClr val="accent1"/>
+          </a:effectRef>
+          <a:fontRef idx="minor">
+            <a:schemeClr val="tx1"/>
+          </a:fontRef>
+        </p:style>
+      </p:cxnSp>
+      <p:sp>
+        <p:nvSpPr>
+          <p:cNvPr id="16" name="TextBox 15">
+            <a:extLst>
+              <a:ext uri="{FF2B5EF4-FFF2-40B4-BE49-F238E27FC236}">
+                <a16:creationId xmlns:a16="http://schemas.microsoft.com/office/drawing/2014/main" id="{E1E669EB-DE01-95C4-7B9C-55AA58663CBF}"/>
+              </a:ext>
+            </a:extLst>
+          </p:cNvPr>
+          <p:cNvSpPr txBox="1"/>
+          <p:nvPr/>
+        </p:nvSpPr>
+        <p:spPr>
+          <a:xfrm>
+            <a:off x="5981700" y="2643200"/>
+            <a:ext cx="3615266" cy="369332"/>
+          </a:xfrm>
+          <a:prstGeom prst="rect">
+            <a:avLst/>
+          </a:prstGeom>
+          <a:noFill/>
+        </p:spPr>
+        <p:txBody>
+          <a:bodyPr wrap="square" rtlCol="0">
+            <a:spAutoFit/>
+          </a:bodyPr>
+          <a:lstStyle/>
+          <a:p>
+            <a:r>
+              <a:rPr lang="en-IN" dirty="0"/>
+              <a:t>http response</a:t>
+            </a:r>
+          </a:p>
+        </p:txBody>
+      </p:sp>
+      <p:sp>
+        <p:nvSpPr>
+          <p:cNvPr id="17" name="Rectangle 16">
+            <a:extLst>
+              <a:ext uri="{FF2B5EF4-FFF2-40B4-BE49-F238E27FC236}">
+                <a16:creationId xmlns:a16="http://schemas.microsoft.com/office/drawing/2014/main" id="{A50E6394-54FD-2CE4-AB11-5821F5DAF3C7}"/>
+              </a:ext>
+            </a:extLst>
+          </p:cNvPr>
+          <p:cNvSpPr/>
+          <p:nvPr/>
+        </p:nvSpPr>
+        <p:spPr>
+          <a:xfrm>
+            <a:off x="5096933" y="2353733"/>
+            <a:ext cx="931333" cy="592666"/>
+          </a:xfrm>
+          <a:prstGeom prst="rect">
+            <a:avLst/>
+          </a:prstGeom>
+          <a:noFill/>
+        </p:spPr>
+        <p:style>
+          <a:lnRef idx="2">
+            <a:schemeClr val="accent1">
+              <a:shade val="15000"/>
+            </a:schemeClr>
+          </a:lnRef>
+          <a:fillRef idx="1">
+            <a:schemeClr val="accent1"/>
+          </a:fillRef>
+          <a:effectRef idx="0">
+            <a:schemeClr val="accent1"/>
+          </a:effectRef>
+          <a:fontRef idx="minor">
+            <a:schemeClr val="lt1"/>
+          </a:fontRef>
+        </p:style>
+        <p:txBody>
+          <a:bodyPr rtlCol="0" anchor="ctr"/>
+          <a:lstStyle/>
+          <a:p>
+            <a:pPr algn="ctr"/>
+            <a:endParaRPr lang="en-IN"/>
+          </a:p>
+        </p:txBody>
+      </p:sp>
+      <p:sp>
+        <p:nvSpPr>
+          <p:cNvPr id="18" name="TextBox 17">
+            <a:extLst>
+              <a:ext uri="{FF2B5EF4-FFF2-40B4-BE49-F238E27FC236}">
+                <a16:creationId xmlns:a16="http://schemas.microsoft.com/office/drawing/2014/main" id="{A3297431-7CB4-0FEB-7E77-A3AF1033C2A3}"/>
+              </a:ext>
+            </a:extLst>
+          </p:cNvPr>
+          <p:cNvSpPr txBox="1"/>
+          <p:nvPr/>
+        </p:nvSpPr>
+        <p:spPr>
+          <a:xfrm>
+            <a:off x="5346700" y="2493201"/>
+            <a:ext cx="635000" cy="369332"/>
+          </a:xfrm>
+          <a:prstGeom prst="rect">
+            <a:avLst/>
+          </a:prstGeom>
+          <a:noFill/>
+        </p:spPr>
+        <p:txBody>
+          <a:bodyPr wrap="square" rtlCol="0">
+            <a:spAutoFit/>
+          </a:bodyPr>
+          <a:lstStyle/>
+          <a:p>
+            <a:r>
+              <a:rPr lang="en-IN" dirty="0"/>
+              <a:t>f4</a:t>
+            </a:r>
+          </a:p>
+        </p:txBody>
+      </p:sp>
+      <p:cxnSp>
+        <p:nvCxnSpPr>
+          <p:cNvPr id="19" name="Straight Arrow Connector 18">
+            <a:extLst>
+              <a:ext uri="{FF2B5EF4-FFF2-40B4-BE49-F238E27FC236}">
+                <a16:creationId xmlns:a16="http://schemas.microsoft.com/office/drawing/2014/main" id="{1E83BA0A-DAA6-67C6-B516-015DBAD0B461}"/>
+              </a:ext>
+            </a:extLst>
+          </p:cNvPr>
+          <p:cNvCxnSpPr>
+            <a:cxnSpLocks/>
+          </p:cNvCxnSpPr>
+          <p:nvPr/>
+        </p:nvCxnSpPr>
+        <p:spPr>
+          <a:xfrm flipH="1">
+            <a:off x="1913467" y="2677867"/>
+            <a:ext cx="3183466" cy="0"/>
+          </a:xfrm>
+          <a:prstGeom prst="straightConnector1">
+            <a:avLst/>
+          </a:prstGeom>
+          <a:ln>
+            <a:tailEnd type="triangle"/>
+          </a:ln>
+        </p:spPr>
+        <p:style>
+          <a:lnRef idx="1">
+            <a:schemeClr val="accent1"/>
+          </a:lnRef>
+          <a:fillRef idx="0">
+            <a:schemeClr val="accent1"/>
+          </a:fillRef>
+          <a:effectRef idx="0">
+            <a:schemeClr val="accent1"/>
+          </a:effectRef>
+          <a:fontRef idx="minor">
+            <a:schemeClr val="tx1"/>
+          </a:fontRef>
+        </p:style>
+      </p:cxnSp>
+    </p:spTree>
+    <p:extLst>
+      <p:ext uri="{BB962C8B-B14F-4D97-AF65-F5344CB8AC3E}">
+        <p14:creationId xmlns:p14="http://schemas.microsoft.com/office/powerpoint/2010/main" val="864920367"/>
+      </p:ext>
+    </p:extLst>
+  </p:cSld>
+  <p:clrMapOvr>
+    <a:masterClrMapping/>
+  </p:clrMapOvr>
+</p:sld>
+</file>
+
+<file path=ppt/slides/slide9.xml><?xml version="1.0" encoding="utf-8"?>
+<p:sld xmlns:a="http://schemas.openxmlformats.org/drawingml/2006/main" xmlns:r="http://schemas.openxmlformats.org/officeDocument/2006/relationships" xmlns:p="http://schemas.openxmlformats.org/presentationml/2006/main">
+  <p:cSld>
+    <p:spTree>
+      <p:nvGrpSpPr>
         <p:cNvPr id="1" name="">
           <a:extLst>
             <a:ext uri="{FF2B5EF4-FFF2-40B4-BE49-F238E27FC236}">
@@ -6602,112 +7301,6 @@
     <p:extLst>
       <p:ext uri="{BB962C8B-B14F-4D97-AF65-F5344CB8AC3E}">
         <p14:creationId xmlns:p14="http://schemas.microsoft.com/office/powerpoint/2010/main" val="3895215598"/>
-      </p:ext>
-    </p:extLst>
-  </p:cSld>
-  <p:clrMapOvr>
-    <a:masterClrMapping/>
-  </p:clrMapOvr>
-</p:sld>
-</file>
-
-<file path=ppt/slides/slide9.xml><?xml version="1.0" encoding="utf-8"?>
-<p:sld xmlns:a="http://schemas.openxmlformats.org/drawingml/2006/main" xmlns:r="http://schemas.openxmlformats.org/officeDocument/2006/relationships" xmlns:p="http://schemas.openxmlformats.org/presentationml/2006/main">
-  <p:cSld>
-    <p:spTree>
-      <p:nvGrpSpPr>
-        <p:cNvPr id="1" name=""/>
-        <p:cNvGrpSpPr/>
-        <p:nvPr/>
-      </p:nvGrpSpPr>
-      <p:grpSpPr>
-        <a:xfrm>
-          <a:off x="0" y="0"/>
-          <a:ext cx="0" cy="0"/>
-          <a:chOff x="0" y="0"/>
-          <a:chExt cx="0" cy="0"/>
-        </a:xfrm>
-      </p:grpSpPr>
-      <p:sp>
-        <p:nvSpPr>
-          <p:cNvPr id="2" name="TextBox 1">
-            <a:extLst>
-              <a:ext uri="{FF2B5EF4-FFF2-40B4-BE49-F238E27FC236}">
-                <a16:creationId xmlns:a16="http://schemas.microsoft.com/office/drawing/2014/main" id="{51660152-0241-5BDA-0CD0-20DE73AC10E6}"/>
-              </a:ext>
-            </a:extLst>
-          </p:cNvPr>
-          <p:cNvSpPr txBox="1"/>
-          <p:nvPr/>
-        </p:nvSpPr>
-        <p:spPr>
-          <a:xfrm>
-            <a:off x="508000" y="169333"/>
-            <a:ext cx="11150600" cy="1477328"/>
-          </a:xfrm>
-          <a:prstGeom prst="rect">
-            <a:avLst/>
-          </a:prstGeom>
-          <a:noFill/>
-        </p:spPr>
-        <p:txBody>
-          <a:bodyPr wrap="square" rtlCol="0">
-            <a:spAutoFit/>
-          </a:bodyPr>
-          <a:lstStyle/>
-          <a:p>
-            <a:pPr marL="342900" indent="-342900">
-              <a:buAutoNum type="arabicPeriod"/>
-            </a:pPr>
-            <a:r>
-              <a:rPr lang="en-IN" dirty="0"/>
-              <a:t>Create a dynamic web project</a:t>
-            </a:r>
-          </a:p>
-          <a:p>
-            <a:pPr marL="342900" indent="-342900">
-              <a:buAutoNum type="arabicPeriod"/>
-            </a:pPr>
-            <a:endParaRPr lang="en-IN" dirty="0"/>
-          </a:p>
-          <a:p>
-            <a:pPr marL="342900" indent="-342900">
-              <a:buAutoNum type="arabicPeriod"/>
-            </a:pPr>
-            <a:r>
-              <a:rPr lang="en-IN" dirty="0"/>
-              <a:t>Configure-&gt; Convert to Maven project</a:t>
-            </a:r>
-          </a:p>
-          <a:p>
-            <a:pPr marL="342900" indent="-342900">
-              <a:buAutoNum type="arabicPeriod"/>
-            </a:pPr>
-            <a:endParaRPr lang="en-IN" dirty="0"/>
-          </a:p>
-          <a:p>
-            <a:pPr marL="342900" indent="-342900">
-              <a:buAutoNum type="arabicPeriod"/>
-            </a:pPr>
-            <a:r>
-              <a:rPr lang="en-IN" dirty="0"/>
-              <a:t>3. Update the pom file with Jakarta servlet </a:t>
-            </a:r>
-            <a:r>
-              <a:rPr lang="en-IN" dirty="0" err="1"/>
-              <a:t>api</a:t>
-            </a:r>
-            <a:r>
-              <a:rPr lang="en-IN" dirty="0"/>
-              <a:t> dependency</a:t>
-            </a:r>
-          </a:p>
-        </p:txBody>
-      </p:sp>
-    </p:spTree>
-    <p:extLst>
-      <p:ext uri="{BB962C8B-B14F-4D97-AF65-F5344CB8AC3E}">
-        <p14:creationId xmlns:p14="http://schemas.microsoft.com/office/powerpoint/2010/main" val="260457441"/>
       </p:ext>
     </p:extLst>
   </p:cSld>
